--- a/Presentation Material/Presentation.pptx
+++ b/Presentation Material/Presentation.pptx
@@ -5,14 +5,16 @@
     <p:sldMasterId id="2147483792" r:id="rId1"/>
   </p:sldMasterIdLst>
   <p:notesMasterIdLst>
-    <p:notesMasterId r:id="rId7"/>
+    <p:notesMasterId r:id="rId9"/>
   </p:notesMasterIdLst>
   <p:sldIdLst>
     <p:sldId id="256" r:id="rId2"/>
     <p:sldId id="257" r:id="rId3"/>
     <p:sldId id="260" r:id="rId4"/>
     <p:sldId id="259" r:id="rId5"/>
-    <p:sldId id="258" r:id="rId6"/>
+    <p:sldId id="261" r:id="rId6"/>
+    <p:sldId id="262" r:id="rId7"/>
+    <p:sldId id="258" r:id="rId8"/>
   </p:sldIdLst>
   <p:sldSz cx="12192000" cy="6858000"/>
   <p:notesSz cx="6858000" cy="9144000"/>
@@ -111,6 +113,11 @@
       </a:defRPr>
     </a:lvl9pPr>
   </p:defaultTextStyle>
+  <p:extLst>
+    <p:ext uri="{EFAFB233-063F-42B5-8137-9DF3F51BA10A}">
+      <p15:sldGuideLst xmlns:p15="http://schemas.microsoft.com/office/powerpoint/2012/main"/>
+    </p:ext>
+  </p:extLst>
 </p:presentation>
 </file>
 
@@ -665,6 +672,113 @@
     <p:extLst>
       <p:ext uri="{BB962C8B-B14F-4D97-AF65-F5344CB8AC3E}">
         <p14:creationId xmlns:p14="http://schemas.microsoft.com/office/powerpoint/2010/main" val="2546018503"/>
+      </p:ext>
+    </p:extLst>
+  </p:cSld>
+  <p:clrMapOvr>
+    <a:masterClrMapping/>
+  </p:clrMapOvr>
+</p:notes>
+</file>
+
+<file path=ppt/notesSlides/notesSlide3.xml><?xml version="1.0" encoding="utf-8"?>
+<p:notes xmlns:a="http://schemas.openxmlformats.org/drawingml/2006/main" xmlns:r="http://schemas.openxmlformats.org/officeDocument/2006/relationships" xmlns:p="http://schemas.openxmlformats.org/presentationml/2006/main">
+  <p:cSld>
+    <p:spTree>
+      <p:nvGrpSpPr>
+        <p:cNvPr id="1" name=""/>
+        <p:cNvGrpSpPr/>
+        <p:nvPr/>
+      </p:nvGrpSpPr>
+      <p:grpSpPr>
+        <a:xfrm>
+          <a:off x="0" y="0"/>
+          <a:ext cx="0" cy="0"/>
+          <a:chOff x="0" y="0"/>
+          <a:chExt cx="0" cy="0"/>
+        </a:xfrm>
+      </p:grpSpPr>
+      <p:sp>
+        <p:nvSpPr>
+          <p:cNvPr id="2" name="Slide Image Placeholder 1"/>
+          <p:cNvSpPr>
+            <a:spLocks noGrp="1" noRot="1" noChangeAspect="1"/>
+          </p:cNvSpPr>
+          <p:nvPr>
+            <p:ph type="sldImg"/>
+          </p:nvPr>
+        </p:nvSpPr>
+        <p:spPr/>
+      </p:sp>
+      <p:sp>
+        <p:nvSpPr>
+          <p:cNvPr id="3" name="Notes Placeholder 2"/>
+          <p:cNvSpPr>
+            <a:spLocks noGrp="1"/>
+          </p:cNvSpPr>
+          <p:nvPr>
+            <p:ph type="body" idx="1"/>
+          </p:nvPr>
+        </p:nvSpPr>
+        <p:spPr/>
+        <p:txBody>
+          <a:bodyPr/>
+          <a:lstStyle/>
+          <a:p>
+            <a:r>
+              <a:rPr lang="en-US" dirty="0" smtClean="0"/>
+              <a:t>Top-right – unweighted,</a:t>
+            </a:r>
+            <a:r>
+              <a:rPr lang="en-US" baseline="0" dirty="0" smtClean="0"/>
+              <a:t> searching for path</a:t>
+            </a:r>
+          </a:p>
+          <a:p>
+            <a:r>
+              <a:rPr lang="en-US" baseline="0" dirty="0" smtClean="0"/>
+              <a:t>Bottom-left – Heuristic valuing nodes closer to the destination makes for faster computation but less optimal paths</a:t>
+            </a:r>
+          </a:p>
+          <a:p>
+            <a:endParaRPr lang="en-US" baseline="0" dirty="0" smtClean="0"/>
+          </a:p>
+          <a:p>
+            <a:r>
+              <a:rPr lang="en-US" baseline="0" dirty="0" smtClean="0"/>
+              <a:t>h(n) can never overestimate the actual path cost (assumes no obstacles, basically)</a:t>
+            </a:r>
+            <a:endParaRPr lang="en-US" dirty="0"/>
+          </a:p>
+        </p:txBody>
+      </p:sp>
+      <p:sp>
+        <p:nvSpPr>
+          <p:cNvPr id="4" name="Slide Number Placeholder 3"/>
+          <p:cNvSpPr>
+            <a:spLocks noGrp="1"/>
+          </p:cNvSpPr>
+          <p:nvPr>
+            <p:ph type="sldNum" sz="quarter" idx="10"/>
+          </p:nvPr>
+        </p:nvSpPr>
+        <p:spPr/>
+        <p:txBody>
+          <a:bodyPr/>
+          <a:lstStyle/>
+          <a:p>
+            <a:fld id="{D63BFF76-5B10-48F3-A7E0-E3DB2575F85B}" type="slidenum">
+              <a:rPr lang="en-US" smtClean="0"/>
+              <a:t>4</a:t>
+            </a:fld>
+            <a:endParaRPr lang="en-US"/>
+          </a:p>
+        </p:txBody>
+      </p:sp>
+    </p:spTree>
+    <p:extLst>
+      <p:ext uri="{BB962C8B-B14F-4D97-AF65-F5344CB8AC3E}">
+        <p14:creationId xmlns:p14="http://schemas.microsoft.com/office/powerpoint/2010/main" val="2025516576"/>
       </p:ext>
     </p:extLst>
   </p:cSld>
@@ -4947,6 +5061,13 @@
   <p:clrMapOvr>
     <a:masterClrMapping/>
   </p:clrMapOvr>
+  <p:timing>
+    <p:tnLst>
+      <p:par>
+        <p:cTn id="1" dur="indefinite" restart="never" nodeType="tmRoot"/>
+      </p:par>
+    </p:tnLst>
+  </p:timing>
 </p:sld>
 </file>
 
@@ -5024,15 +5145,13 @@
             <a:pPr lvl="1"/>
             <a:r>
               <a:rPr lang="en-US" sz="2000" dirty="0" smtClean="0"/>
-              <a:t>Uses application-based heuristic to estimate future cost</a:t>
+              <a:t>Uses application-based heuristic to estimate future </a:t>
+            </a:r>
+            <a:r>
+              <a:rPr lang="en-US" sz="2000" dirty="0" smtClean="0"/>
+              <a:t>cost</a:t>
             </a:r>
             <a:endParaRPr lang="en-US" sz="2000" dirty="0"/>
-          </a:p>
-          <a:p>
-            <a:pPr marL="384048" lvl="2" indent="0">
-              <a:buNone/>
-            </a:pPr>
-            <a:endParaRPr lang="en-US" dirty="0"/>
           </a:p>
         </p:txBody>
       </p:sp>
@@ -5045,7 +5164,7 @@
           <p:nvPr/>
         </p:nvPicPr>
         <p:blipFill>
-          <a:blip r:embed="rId2">
+          <a:blip r:embed="rId3">
             <a:extLst>
               <a:ext uri="{28A0092B-C50C-407E-A947-70E740481C1C}">
                 <a14:useLocalDpi xmlns:a14="http://schemas.microsoft.com/office/drawing/2010/main" val="0"/>
@@ -5059,8 +5178,90 @@
         </p:blipFill>
         <p:spPr bwMode="auto">
           <a:xfrm>
-            <a:off x="3787943" y="4004067"/>
+            <a:off x="4637797" y="4818515"/>
             <a:ext cx="4677073" cy="610053"/>
+          </a:xfrm>
+          <a:prstGeom prst="rect">
+            <a:avLst/>
+          </a:prstGeom>
+          <a:noFill/>
+          <a:extLst>
+            <a:ext uri="{909E8E84-426E-40DD-AFC4-6F175D3DCCD1}">
+              <a14:hiddenFill xmlns:a14="http://schemas.microsoft.com/office/drawing/2010/main">
+                <a:solidFill>
+                  <a:srgbClr val="FFFFFF"/>
+                </a:solidFill>
+              </a14:hiddenFill>
+            </a:ext>
+          </a:extLst>
+        </p:spPr>
+      </p:pic>
+      <p:pic>
+        <p:nvPicPr>
+          <p:cNvPr id="1030" name="Picture 6" descr="https://upload.wikimedia.org/wikipedia/commons/8/85/Weighted_A_star_with_eps_5.gif"/>
+          <p:cNvPicPr>
+            <a:picLocks noChangeAspect="1" noChangeArrowheads="1" noCrop="1"/>
+          </p:cNvPicPr>
+          <p:nvPr/>
+        </p:nvPicPr>
+        <p:blipFill>
+          <a:blip r:embed="rId4">
+            <a:extLst>
+              <a:ext uri="{28A0092B-C50C-407E-A947-70E740481C1C}">
+                <a14:useLocalDpi xmlns:a14="http://schemas.microsoft.com/office/drawing/2010/main" val="0"/>
+              </a:ext>
+            </a:extLst>
+          </a:blip>
+          <a:srcRect/>
+          <a:stretch>
+            <a:fillRect/>
+          </a:stretch>
+        </p:blipFill>
+        <p:spPr bwMode="auto">
+          <a:xfrm>
+            <a:off x="1313106" y="3818390"/>
+            <a:ext cx="2000250" cy="2000250"/>
+          </a:xfrm>
+          <a:prstGeom prst="rect">
+            <a:avLst/>
+          </a:prstGeom>
+          <a:noFill/>
+          <a:extLst>
+            <a:ext uri="{909E8E84-426E-40DD-AFC4-6F175D3DCCD1}">
+              <a14:hiddenFill xmlns:a14="http://schemas.microsoft.com/office/drawing/2010/main">
+                <a:solidFill>
+                  <a:srgbClr val="FFFFFF"/>
+                </a:solidFill>
+              </a14:hiddenFill>
+            </a:ext>
+          </a:extLst>
+        </p:spPr>
+      </p:pic>
+      <p:pic>
+        <p:nvPicPr>
+          <p:cNvPr id="1032" name="Picture 8" descr="https://upload.wikimedia.org/wikipedia/commons/5/5d/Astar_progress_animation.gif"/>
+          <p:cNvPicPr>
+            <a:picLocks noChangeAspect="1" noChangeArrowheads="1" noCrop="1"/>
+          </p:cNvPicPr>
+          <p:nvPr/>
+        </p:nvPicPr>
+        <p:blipFill>
+          <a:blip r:embed="rId5">
+            <a:extLst>
+              <a:ext uri="{28A0092B-C50C-407E-A947-70E740481C1C}">
+                <a14:useLocalDpi xmlns:a14="http://schemas.microsoft.com/office/drawing/2010/main" val="0"/>
+              </a:ext>
+            </a:extLst>
+          </a:blip>
+          <a:srcRect/>
+          <a:stretch>
+            <a:fillRect/>
+          </a:stretch>
+        </p:blipFill>
+        <p:spPr bwMode="auto">
+          <a:xfrm>
+            <a:off x="8778912" y="1976486"/>
+            <a:ext cx="2000250" cy="2000250"/>
           </a:xfrm>
           <a:prstGeom prst="rect">
             <a:avLst/>
@@ -5098,6 +5299,184 @@
 </file>
 
 <file path=ppt/slides/slide5.xml><?xml version="1.0" encoding="utf-8"?>
+<p:sld xmlns:a="http://schemas.openxmlformats.org/drawingml/2006/main" xmlns:r="http://schemas.openxmlformats.org/officeDocument/2006/relationships" xmlns:p="http://schemas.openxmlformats.org/presentationml/2006/main">
+  <p:cSld>
+    <p:spTree>
+      <p:nvGrpSpPr>
+        <p:cNvPr id="1" name=""/>
+        <p:cNvGrpSpPr/>
+        <p:nvPr/>
+      </p:nvGrpSpPr>
+      <p:grpSpPr>
+        <a:xfrm>
+          <a:off x="0" y="0"/>
+          <a:ext cx="0" cy="0"/>
+          <a:chOff x="0" y="0"/>
+          <a:chExt cx="0" cy="0"/>
+        </a:xfrm>
+      </p:grpSpPr>
+      <p:sp>
+        <p:nvSpPr>
+          <p:cNvPr id="2" name="Title 1"/>
+          <p:cNvSpPr>
+            <a:spLocks noGrp="1"/>
+          </p:cNvSpPr>
+          <p:nvPr>
+            <p:ph type="title"/>
+          </p:nvPr>
+        </p:nvSpPr>
+        <p:spPr/>
+        <p:txBody>
+          <a:bodyPr/>
+          <a:lstStyle/>
+          <a:p>
+            <a:r>
+              <a:rPr lang="en-US" dirty="0" smtClean="0"/>
+              <a:t>D* Algorithm</a:t>
+            </a:r>
+            <a:endParaRPr lang="en-US" dirty="0"/>
+          </a:p>
+        </p:txBody>
+      </p:sp>
+      <p:sp>
+        <p:nvSpPr>
+          <p:cNvPr id="3" name="Content Placeholder 2"/>
+          <p:cNvSpPr>
+            <a:spLocks noGrp="1"/>
+          </p:cNvSpPr>
+          <p:nvPr>
+            <p:ph idx="1"/>
+          </p:nvPr>
+        </p:nvSpPr>
+        <p:spPr>
+          <a:xfrm>
+            <a:off x="1097280" y="2139042"/>
+            <a:ext cx="10058400" cy="3730051"/>
+          </a:xfrm>
+        </p:spPr>
+        <p:txBody>
+          <a:bodyPr/>
+          <a:lstStyle/>
+          <a:p>
+            <a:pPr lvl="1"/>
+            <a:r>
+              <a:rPr lang="en-US" sz="2000" dirty="0" smtClean="0"/>
+              <a:t>Dynamic A* search</a:t>
+            </a:r>
+          </a:p>
+          <a:p>
+            <a:pPr lvl="1"/>
+            <a:endParaRPr lang="en-US" sz="2000" dirty="0"/>
+          </a:p>
+          <a:p>
+            <a:pPr lvl="1"/>
+            <a:endParaRPr lang="en-US" sz="2000" dirty="0"/>
+          </a:p>
+        </p:txBody>
+      </p:sp>
+    </p:spTree>
+    <p:extLst>
+      <p:ext uri="{BB962C8B-B14F-4D97-AF65-F5344CB8AC3E}">
+        <p14:creationId xmlns:p14="http://schemas.microsoft.com/office/powerpoint/2010/main" val="1305922663"/>
+      </p:ext>
+    </p:extLst>
+  </p:cSld>
+  <p:clrMapOvr>
+    <a:masterClrMapping/>
+  </p:clrMapOvr>
+</p:sld>
+</file>
+
+<file path=ppt/slides/slide6.xml><?xml version="1.0" encoding="utf-8"?>
+<p:sld xmlns:a="http://schemas.openxmlformats.org/drawingml/2006/main" xmlns:r="http://schemas.openxmlformats.org/officeDocument/2006/relationships" xmlns:p="http://schemas.openxmlformats.org/presentationml/2006/main">
+  <p:cSld>
+    <p:spTree>
+      <p:nvGrpSpPr>
+        <p:cNvPr id="1" name=""/>
+        <p:cNvGrpSpPr/>
+        <p:nvPr/>
+      </p:nvGrpSpPr>
+      <p:grpSpPr>
+        <a:xfrm>
+          <a:off x="0" y="0"/>
+          <a:ext cx="0" cy="0"/>
+          <a:chOff x="0" y="0"/>
+          <a:chExt cx="0" cy="0"/>
+        </a:xfrm>
+      </p:grpSpPr>
+      <p:sp>
+        <p:nvSpPr>
+          <p:cNvPr id="2" name="Title 1"/>
+          <p:cNvSpPr>
+            <a:spLocks noGrp="1"/>
+          </p:cNvSpPr>
+          <p:nvPr>
+            <p:ph type="title"/>
+          </p:nvPr>
+        </p:nvSpPr>
+        <p:spPr/>
+        <p:txBody>
+          <a:bodyPr/>
+          <a:lstStyle/>
+          <a:p>
+            <a:r>
+              <a:rPr lang="en-US" dirty="0" smtClean="0"/>
+              <a:t>D* Lite Algorithm</a:t>
+            </a:r>
+            <a:endParaRPr lang="en-US" dirty="0"/>
+          </a:p>
+        </p:txBody>
+      </p:sp>
+      <p:sp>
+        <p:nvSpPr>
+          <p:cNvPr id="5" name="Content Placeholder 2"/>
+          <p:cNvSpPr>
+            <a:spLocks noGrp="1"/>
+          </p:cNvSpPr>
+          <p:nvPr>
+            <p:ph idx="1"/>
+          </p:nvPr>
+        </p:nvSpPr>
+        <p:spPr>
+          <a:xfrm>
+            <a:off x="1097280" y="2139042"/>
+            <a:ext cx="10058400" cy="3730051"/>
+          </a:xfrm>
+        </p:spPr>
+        <p:txBody>
+          <a:bodyPr/>
+          <a:lstStyle/>
+          <a:p>
+            <a:pPr lvl="1"/>
+            <a:r>
+              <a:rPr lang="en-US" sz="2000" dirty="0" smtClean="0"/>
+              <a:t>Is at least as efficient as D* and is substantially shorter</a:t>
+            </a:r>
+          </a:p>
+          <a:p>
+            <a:pPr lvl="1"/>
+            <a:endParaRPr lang="en-US" sz="2000" dirty="0"/>
+          </a:p>
+          <a:p>
+            <a:pPr lvl="1"/>
+            <a:endParaRPr lang="en-US" sz="2000" dirty="0"/>
+          </a:p>
+        </p:txBody>
+      </p:sp>
+    </p:spTree>
+    <p:extLst>
+      <p:ext uri="{BB962C8B-B14F-4D97-AF65-F5344CB8AC3E}">
+        <p14:creationId xmlns:p14="http://schemas.microsoft.com/office/powerpoint/2010/main" val="2054712286"/>
+      </p:ext>
+    </p:extLst>
+  </p:cSld>
+  <p:clrMapOvr>
+    <a:masterClrMapping/>
+  </p:clrMapOvr>
+</p:sld>
+</file>
+
+<file path=ppt/slides/slide7.xml><?xml version="1.0" encoding="utf-8"?>
 <p:sld xmlns:a="http://schemas.openxmlformats.org/drawingml/2006/main" xmlns:r="http://schemas.openxmlformats.org/officeDocument/2006/relationships" xmlns:p="http://schemas.openxmlformats.org/presentationml/2006/main">
   <p:cSld>
     <p:spTree>

--- a/Presentation Material/Presentation.pptx
+++ b/Presentation Material/Presentation.pptx
@@ -5,16 +5,14 @@
     <p:sldMasterId id="2147483792" r:id="rId1"/>
   </p:sldMasterIdLst>
   <p:notesMasterIdLst>
-    <p:notesMasterId r:id="rId9"/>
+    <p:notesMasterId r:id="rId7"/>
   </p:notesMasterIdLst>
   <p:sldIdLst>
     <p:sldId id="256" r:id="rId2"/>
     <p:sldId id="257" r:id="rId3"/>
-    <p:sldId id="260" r:id="rId4"/>
-    <p:sldId id="259" r:id="rId5"/>
-    <p:sldId id="261" r:id="rId6"/>
-    <p:sldId id="262" r:id="rId7"/>
-    <p:sldId id="258" r:id="rId8"/>
+    <p:sldId id="259" r:id="rId4"/>
+    <p:sldId id="261" r:id="rId5"/>
+    <p:sldId id="260" r:id="rId6"/>
   </p:sldIdLst>
   <p:sldSz cx="12192000" cy="6858000"/>
   <p:notesSz cx="6858000" cy="9144000"/>
@@ -203,7 +201,7 @@
           <a:p>
             <a:fld id="{9CFA8BA8-4B60-4697-A7C4-E57038682972}" type="datetimeFigureOut">
               <a:rPr lang="en-US" smtClean="0"/>
-              <a:t>5/18/2016</a:t>
+              <a:t>5/19/2016</a:t>
             </a:fld>
             <a:endParaRPr lang="en-US"/>
           </a:p>
@@ -635,11 +633,26 @@
           <a:p>
             <a:r>
               <a:rPr lang="en-US" dirty="0" smtClean="0"/>
-              <a:t>Demonstration of why choosing the closest waypoint every time (“Greedy” search) is not always the best strategy – orange dots are waypoints,</a:t>
+              <a:t>Top-right – unweighted,</a:t>
             </a:r>
             <a:r>
               <a:rPr lang="en-US" baseline="0" dirty="0" smtClean="0"/>
-              <a:t> the blue dot is the starting point</a:t>
+              <a:t> searching for path</a:t>
+            </a:r>
+          </a:p>
+          <a:p>
+            <a:r>
+              <a:rPr lang="en-US" baseline="0" dirty="0" smtClean="0"/>
+              <a:t>Bottom-left – Heuristic valuing nodes closer to the destination makes for faster computation but less optimal paths</a:t>
+            </a:r>
+          </a:p>
+          <a:p>
+            <a:endParaRPr lang="en-US" baseline="0" dirty="0" smtClean="0"/>
+          </a:p>
+          <a:p>
+            <a:r>
+              <a:rPr lang="en-US" baseline="0" dirty="0" smtClean="0"/>
+              <a:t>h(n) can never overestimate the actual path cost (assumes no obstacles, basically)</a:t>
             </a:r>
             <a:endParaRPr lang="en-US" dirty="0"/>
           </a:p>
@@ -671,7 +684,7 @@
     </p:spTree>
     <p:extLst>
       <p:ext uri="{BB962C8B-B14F-4D97-AF65-F5344CB8AC3E}">
-        <p14:creationId xmlns:p14="http://schemas.microsoft.com/office/powerpoint/2010/main" val="2546018503"/>
+        <p14:creationId xmlns:p14="http://schemas.microsoft.com/office/powerpoint/2010/main" val="2025516576"/>
       </p:ext>
     </p:extLst>
   </p:cSld>
@@ -727,26 +740,11 @@
           <a:p>
             <a:r>
               <a:rPr lang="en-US" dirty="0" smtClean="0"/>
-              <a:t>Top-right – unweighted,</a:t>
+              <a:t>Demonstration of why choosing the closest waypoint every time (“Greedy” search) is not always the best strategy – orange dots are waypoints,</a:t>
             </a:r>
             <a:r>
               <a:rPr lang="en-US" baseline="0" dirty="0" smtClean="0"/>
-              <a:t> searching for path</a:t>
-            </a:r>
-          </a:p>
-          <a:p>
-            <a:r>
-              <a:rPr lang="en-US" baseline="0" dirty="0" smtClean="0"/>
-              <a:t>Bottom-left – Heuristic valuing nodes closer to the destination makes for faster computation but less optimal paths</a:t>
-            </a:r>
-          </a:p>
-          <a:p>
-            <a:endParaRPr lang="en-US" baseline="0" dirty="0" smtClean="0"/>
-          </a:p>
-          <a:p>
-            <a:r>
-              <a:rPr lang="en-US" baseline="0" dirty="0" smtClean="0"/>
-              <a:t>h(n) can never overestimate the actual path cost (assumes no obstacles, basically)</a:t>
+              <a:t> the blue dot is the starting point</a:t>
             </a:r>
             <a:endParaRPr lang="en-US" dirty="0"/>
           </a:p>
@@ -769,7 +767,7 @@
           <a:p>
             <a:fld id="{D63BFF76-5B10-48F3-A7E0-E3DB2575F85B}" type="slidenum">
               <a:rPr lang="en-US" smtClean="0"/>
-              <a:t>4</a:t>
+              <a:t>5</a:t>
             </a:fld>
             <a:endParaRPr lang="en-US"/>
           </a:p>
@@ -778,7 +776,7 @@
     </p:spTree>
     <p:extLst>
       <p:ext uri="{BB962C8B-B14F-4D97-AF65-F5344CB8AC3E}">
-        <p14:creationId xmlns:p14="http://schemas.microsoft.com/office/powerpoint/2010/main" val="2025516576"/>
+        <p14:creationId xmlns:p14="http://schemas.microsoft.com/office/powerpoint/2010/main" val="2546018503"/>
       </p:ext>
     </p:extLst>
   </p:cSld>
@@ -1014,7 +1012,7 @@
           <a:p>
             <a:fld id="{2D805549-68D3-4FF5-9308-EBEF29551978}" type="datetimeFigureOut">
               <a:rPr lang="en-US" smtClean="0"/>
-              <a:t>5/18/2016</a:t>
+              <a:t>5/19/2016</a:t>
             </a:fld>
             <a:endParaRPr lang="en-US"/>
           </a:p>
@@ -1227,7 +1225,7 @@
           <a:p>
             <a:fld id="{2D805549-68D3-4FF5-9308-EBEF29551978}" type="datetimeFigureOut">
               <a:rPr lang="en-US" smtClean="0"/>
-              <a:t>5/18/2016</a:t>
+              <a:t>5/19/2016</a:t>
             </a:fld>
             <a:endParaRPr lang="en-US"/>
           </a:p>
@@ -1483,7 +1481,7 @@
           <a:p>
             <a:fld id="{2D805549-68D3-4FF5-9308-EBEF29551978}" type="datetimeFigureOut">
               <a:rPr lang="en-US" smtClean="0"/>
-              <a:t>5/18/2016</a:t>
+              <a:t>5/19/2016</a:t>
             </a:fld>
             <a:endParaRPr lang="en-US"/>
           </a:p>
@@ -1662,7 +1660,7 @@
           <a:p>
             <a:fld id="{2D805549-68D3-4FF5-9308-EBEF29551978}" type="datetimeFigureOut">
               <a:rPr lang="en-US" smtClean="0"/>
-              <a:t>5/18/2016</a:t>
+              <a:t>5/19/2016</a:t>
             </a:fld>
             <a:endParaRPr lang="en-US"/>
           </a:p>
@@ -2005,7 +2003,7 @@
           <a:p>
             <a:fld id="{2D805549-68D3-4FF5-9308-EBEF29551978}" type="datetimeFigureOut">
               <a:rPr lang="en-US" smtClean="0"/>
-              <a:t>5/18/2016</a:t>
+              <a:t>5/19/2016</a:t>
             </a:fld>
             <a:endParaRPr lang="en-US"/>
           </a:p>
@@ -2285,7 +2283,7 @@
           <a:p>
             <a:fld id="{2D805549-68D3-4FF5-9308-EBEF29551978}" type="datetimeFigureOut">
               <a:rPr lang="en-US" smtClean="0"/>
-              <a:t>5/18/2016</a:t>
+              <a:t>5/19/2016</a:t>
             </a:fld>
             <a:endParaRPr lang="en-US"/>
           </a:p>
@@ -2664,7 +2662,7 @@
           <a:p>
             <a:fld id="{2D805549-68D3-4FF5-9308-EBEF29551978}" type="datetimeFigureOut">
               <a:rPr lang="en-US" smtClean="0"/>
-              <a:t>5/18/2016</a:t>
+              <a:t>5/19/2016</a:t>
             </a:fld>
             <a:endParaRPr lang="en-US"/>
           </a:p>
@@ -2782,7 +2780,7 @@
           <a:p>
             <a:fld id="{2D805549-68D3-4FF5-9308-EBEF29551978}" type="datetimeFigureOut">
               <a:rPr lang="en-US" smtClean="0"/>
-              <a:t>5/18/2016</a:t>
+              <a:t>5/19/2016</a:t>
             </a:fld>
             <a:endParaRPr lang="en-US"/>
           </a:p>
@@ -2953,7 +2951,7 @@
           <a:p>
             <a:fld id="{2D805549-68D3-4FF5-9308-EBEF29551978}" type="datetimeFigureOut">
               <a:rPr lang="en-US" smtClean="0"/>
-              <a:t>5/18/2016</a:t>
+              <a:t>5/19/2016</a:t>
             </a:fld>
             <a:endParaRPr lang="en-US"/>
           </a:p>
@@ -3307,7 +3305,7 @@
           <a:p>
             <a:fld id="{2D805549-68D3-4FF5-9308-EBEF29551978}" type="datetimeFigureOut">
               <a:rPr lang="en-US" smtClean="0"/>
-              <a:t>5/18/2016</a:t>
+              <a:t>5/19/2016</a:t>
             </a:fld>
             <a:endParaRPr lang="en-US"/>
           </a:p>
@@ -3689,7 +3687,7 @@
           <a:p>
             <a:fld id="{2D805549-68D3-4FF5-9308-EBEF29551978}" type="datetimeFigureOut">
               <a:rPr lang="en-US" smtClean="0"/>
-              <a:t>5/18/2016</a:t>
+              <a:t>5/19/2016</a:t>
             </a:fld>
             <a:endParaRPr lang="en-US"/>
           </a:p>
@@ -3976,7 +3974,7 @@
           <a:p>
             <a:fld id="{2D805549-68D3-4FF5-9308-EBEF29551978}" type="datetimeFigureOut">
               <a:rPr lang="en-US" smtClean="0"/>
-              <a:t>5/18/2016</a:t>
+              <a:t>5/19/2016</a:t>
             </a:fld>
             <a:endParaRPr lang="en-US"/>
           </a:p>
@@ -4752,7 +4750,7 @@
 </file>
 
 <file path=ppt/slides/slide3.xml><?xml version="1.0" encoding="utf-8"?>
-<p:sld xmlns:a="http://schemas.openxmlformats.org/drawingml/2006/main" xmlns:r="http://schemas.openxmlformats.org/officeDocument/2006/relationships" xmlns:p="http://schemas.openxmlformats.org/presentationml/2006/main" showMasterSp="0">
+<p:sld xmlns:a="http://schemas.openxmlformats.org/drawingml/2006/main" xmlns:r="http://schemas.openxmlformats.org/officeDocument/2006/relationships" xmlns:p="http://schemas.openxmlformats.org/presentationml/2006/main">
   <p:cSld>
     <p:spTree>
       <p:nvGrpSpPr>
@@ -4770,291 +4768,194 @@
       </p:grpSpPr>
       <p:sp>
         <p:nvSpPr>
-          <p:cNvPr id="4" name="Oval 3"/>
-          <p:cNvSpPr/>
+          <p:cNvPr id="2" name="Title 1"/>
+          <p:cNvSpPr>
+            <a:spLocks noGrp="1"/>
+          </p:cNvSpPr>
+          <p:nvPr>
+            <p:ph type="title"/>
+          </p:nvPr>
+        </p:nvSpPr>
+        <p:spPr/>
+        <p:txBody>
+          <a:bodyPr/>
+          <a:lstStyle/>
+          <a:p>
+            <a:r>
+              <a:rPr lang="en-US" dirty="0" smtClean="0"/>
+              <a:t>A* Algorithm</a:t>
+            </a:r>
+            <a:endParaRPr lang="en-US" dirty="0"/>
+          </a:p>
+        </p:txBody>
+      </p:sp>
+      <p:sp>
+        <p:nvSpPr>
+          <p:cNvPr id="3" name="Content Placeholder 2"/>
+          <p:cNvSpPr>
+            <a:spLocks noGrp="1"/>
+          </p:cNvSpPr>
+          <p:nvPr>
+            <p:ph idx="1"/>
+          </p:nvPr>
+        </p:nvSpPr>
+        <p:spPr>
+          <a:xfrm>
+            <a:off x="1097280" y="2139042"/>
+            <a:ext cx="10058400" cy="3730051"/>
+          </a:xfrm>
+        </p:spPr>
+        <p:txBody>
+          <a:bodyPr/>
+          <a:lstStyle/>
+          <a:p>
+            <a:pPr lvl="1"/>
+            <a:r>
+              <a:rPr lang="en-US" sz="2000" dirty="0" smtClean="0"/>
+              <a:t>Avoids expanding paths that are quickly expensive</a:t>
+            </a:r>
+          </a:p>
+          <a:p>
+            <a:pPr lvl="1"/>
+            <a:endParaRPr lang="en-US" sz="2000" dirty="0"/>
+          </a:p>
+          <a:p>
+            <a:pPr lvl="1"/>
+            <a:r>
+              <a:rPr lang="en-US" sz="2000" dirty="0" smtClean="0"/>
+              <a:t>Uses application-based heuristic to estimate future cost</a:t>
+            </a:r>
+            <a:endParaRPr lang="en-US" sz="2000" dirty="0"/>
+          </a:p>
+        </p:txBody>
+      </p:sp>
+      <p:pic>
+        <p:nvPicPr>
+          <p:cNvPr id="2050" name="Picture 2" descr="f(n) = g(n) + h(n)"/>
+          <p:cNvPicPr>
+            <a:picLocks noChangeAspect="1" noChangeArrowheads="1"/>
+          </p:cNvPicPr>
           <p:nvPr/>
-        </p:nvSpPr>
-        <p:spPr>
-          <a:xfrm>
-            <a:off x="636814" y="963385"/>
-            <a:ext cx="800099" cy="767444"/>
-          </a:xfrm>
-          <a:prstGeom prst="ellipse">
+        </p:nvPicPr>
+        <p:blipFill>
+          <a:blip r:embed="rId3">
+            <a:extLst>
+              <a:ext uri="{28A0092B-C50C-407E-A947-70E740481C1C}">
+                <a14:useLocalDpi xmlns:a14="http://schemas.microsoft.com/office/drawing/2010/main" val="0"/>
+              </a:ext>
+            </a:extLst>
+          </a:blip>
+          <a:srcRect/>
+          <a:stretch>
+            <a:fillRect/>
+          </a:stretch>
+        </p:blipFill>
+        <p:spPr bwMode="auto">
+          <a:xfrm>
+            <a:off x="4637797" y="4818515"/>
+            <a:ext cx="4677073" cy="610053"/>
+          </a:xfrm>
+          <a:prstGeom prst="rect">
             <a:avLst/>
           </a:prstGeom>
-        </p:spPr>
-        <p:style>
-          <a:lnRef idx="2">
-            <a:schemeClr val="accent1">
-              <a:shade val="50000"/>
-            </a:schemeClr>
-          </a:lnRef>
-          <a:fillRef idx="1">
-            <a:schemeClr val="accent1"/>
-          </a:fillRef>
-          <a:effectRef idx="0">
-            <a:schemeClr val="accent1"/>
-          </a:effectRef>
-          <a:fontRef idx="minor">
-            <a:schemeClr val="lt1"/>
-          </a:fontRef>
-        </p:style>
-        <p:txBody>
-          <a:bodyPr rtlCol="0" anchor="ctr"/>
-          <a:lstStyle/>
-          <a:p>
-            <a:pPr algn="ctr"/>
-            <a:endParaRPr lang="en-US"/>
-          </a:p>
-        </p:txBody>
-      </p:sp>
-      <p:sp>
-        <p:nvSpPr>
-          <p:cNvPr id="5" name="Oval 4"/>
-          <p:cNvSpPr/>
+          <a:noFill/>
+          <a:extLst>
+            <a:ext uri="{909E8E84-426E-40DD-AFC4-6F175D3DCCD1}">
+              <a14:hiddenFill xmlns:a14="http://schemas.microsoft.com/office/drawing/2010/main">
+                <a:solidFill>
+                  <a:srgbClr val="FFFFFF"/>
+                </a:solidFill>
+              </a14:hiddenFill>
+            </a:ext>
+          </a:extLst>
+        </p:spPr>
+      </p:pic>
+      <p:pic>
+        <p:nvPicPr>
+          <p:cNvPr id="1030" name="Picture 6" descr="https://upload.wikimedia.org/wikipedia/commons/8/85/Weighted_A_star_with_eps_5.gif"/>
+          <p:cNvPicPr>
+            <a:picLocks noChangeAspect="1" noChangeArrowheads="1" noCrop="1"/>
+          </p:cNvPicPr>
           <p:nvPr/>
-        </p:nvSpPr>
-        <p:spPr>
-          <a:xfrm>
-            <a:off x="1246414" y="2079171"/>
-            <a:ext cx="800099" cy="767444"/>
-          </a:xfrm>
-          <a:prstGeom prst="ellipse">
+        </p:nvPicPr>
+        <p:blipFill>
+          <a:blip r:embed="rId4">
+            <a:extLst>
+              <a:ext uri="{28A0092B-C50C-407E-A947-70E740481C1C}">
+                <a14:useLocalDpi xmlns:a14="http://schemas.microsoft.com/office/drawing/2010/main" val="0"/>
+              </a:ext>
+            </a:extLst>
+          </a:blip>
+          <a:srcRect/>
+          <a:stretch>
+            <a:fillRect/>
+          </a:stretch>
+        </p:blipFill>
+        <p:spPr bwMode="auto">
+          <a:xfrm>
+            <a:off x="1313106" y="3818390"/>
+            <a:ext cx="2000250" cy="2000250"/>
+          </a:xfrm>
+          <a:prstGeom prst="rect">
             <a:avLst/>
           </a:prstGeom>
-        </p:spPr>
-        <p:style>
-          <a:lnRef idx="2">
-            <a:schemeClr val="accent1">
-              <a:shade val="50000"/>
-            </a:schemeClr>
-          </a:lnRef>
-          <a:fillRef idx="1">
-            <a:schemeClr val="accent1"/>
-          </a:fillRef>
-          <a:effectRef idx="0">
-            <a:schemeClr val="accent1"/>
-          </a:effectRef>
-          <a:fontRef idx="minor">
-            <a:schemeClr val="lt1"/>
-          </a:fontRef>
-        </p:style>
-        <p:txBody>
-          <a:bodyPr rtlCol="0" anchor="ctr"/>
-          <a:lstStyle/>
-          <a:p>
-            <a:pPr algn="ctr"/>
-            <a:endParaRPr lang="en-US"/>
-          </a:p>
-        </p:txBody>
-      </p:sp>
-      <p:sp>
-        <p:nvSpPr>
-          <p:cNvPr id="6" name="Oval 5"/>
-          <p:cNvSpPr/>
+          <a:noFill/>
+          <a:extLst>
+            <a:ext uri="{909E8E84-426E-40DD-AFC4-6F175D3DCCD1}">
+              <a14:hiddenFill xmlns:a14="http://schemas.microsoft.com/office/drawing/2010/main">
+                <a:solidFill>
+                  <a:srgbClr val="FFFFFF"/>
+                </a:solidFill>
+              </a14:hiddenFill>
+            </a:ext>
+          </a:extLst>
+        </p:spPr>
+      </p:pic>
+      <p:pic>
+        <p:nvPicPr>
+          <p:cNvPr id="1032" name="Picture 8" descr="https://upload.wikimedia.org/wikipedia/commons/5/5d/Astar_progress_animation.gif"/>
+          <p:cNvPicPr>
+            <a:picLocks noChangeAspect="1" noChangeArrowheads="1" noCrop="1"/>
+          </p:cNvPicPr>
           <p:nvPr/>
-        </p:nvSpPr>
-        <p:spPr>
-          <a:xfrm>
-            <a:off x="6092600" y="2405742"/>
-            <a:ext cx="800099" cy="767444"/>
-          </a:xfrm>
-          <a:prstGeom prst="ellipse">
+        </p:nvPicPr>
+        <p:blipFill>
+          <a:blip r:embed="rId5">
+            <a:extLst>
+              <a:ext uri="{28A0092B-C50C-407E-A947-70E740481C1C}">
+                <a14:useLocalDpi xmlns:a14="http://schemas.microsoft.com/office/drawing/2010/main" val="0"/>
+              </a:ext>
+            </a:extLst>
+          </a:blip>
+          <a:srcRect/>
+          <a:stretch>
+            <a:fillRect/>
+          </a:stretch>
+        </p:blipFill>
+        <p:spPr bwMode="auto">
+          <a:xfrm>
+            <a:off x="8778912" y="1976486"/>
+            <a:ext cx="2000250" cy="2000250"/>
+          </a:xfrm>
+          <a:prstGeom prst="rect">
             <a:avLst/>
           </a:prstGeom>
-          <a:solidFill>
-            <a:srgbClr val="00B0F0"/>
-          </a:solidFill>
-        </p:spPr>
-        <p:style>
-          <a:lnRef idx="2">
-            <a:schemeClr val="accent1">
-              <a:shade val="50000"/>
-            </a:schemeClr>
-          </a:lnRef>
-          <a:fillRef idx="1">
-            <a:schemeClr val="accent1"/>
-          </a:fillRef>
-          <a:effectRef idx="0">
-            <a:schemeClr val="accent1"/>
-          </a:effectRef>
-          <a:fontRef idx="minor">
-            <a:schemeClr val="lt1"/>
-          </a:fontRef>
-        </p:style>
-        <p:txBody>
-          <a:bodyPr rtlCol="0" anchor="ctr"/>
-          <a:lstStyle/>
-          <a:p>
-            <a:pPr algn="ctr"/>
-            <a:endParaRPr lang="en-US"/>
-          </a:p>
-        </p:txBody>
-      </p:sp>
-      <p:sp>
-        <p:nvSpPr>
-          <p:cNvPr id="7" name="Oval 6"/>
-          <p:cNvSpPr/>
-          <p:nvPr/>
-        </p:nvSpPr>
-        <p:spPr>
-          <a:xfrm>
-            <a:off x="8743949" y="4016832"/>
-            <a:ext cx="800099" cy="767444"/>
-          </a:xfrm>
-          <a:prstGeom prst="ellipse">
-            <a:avLst/>
-          </a:prstGeom>
-        </p:spPr>
-        <p:style>
-          <a:lnRef idx="2">
-            <a:schemeClr val="accent1">
-              <a:shade val="50000"/>
-            </a:schemeClr>
-          </a:lnRef>
-          <a:fillRef idx="1">
-            <a:schemeClr val="accent1"/>
-          </a:fillRef>
-          <a:effectRef idx="0">
-            <a:schemeClr val="accent1"/>
-          </a:effectRef>
-          <a:fontRef idx="minor">
-            <a:schemeClr val="lt1"/>
-          </a:fontRef>
-        </p:style>
-        <p:txBody>
-          <a:bodyPr rtlCol="0" anchor="ctr"/>
-          <a:lstStyle/>
-          <a:p>
-            <a:pPr algn="ctr"/>
-            <a:endParaRPr lang="en-US"/>
-          </a:p>
-        </p:txBody>
-      </p:sp>
-      <p:sp>
-        <p:nvSpPr>
-          <p:cNvPr id="8" name="Oval 7"/>
-          <p:cNvSpPr/>
-          <p:nvPr/>
-        </p:nvSpPr>
-        <p:spPr>
-          <a:xfrm>
-            <a:off x="2217962" y="3031672"/>
-            <a:ext cx="800099" cy="767444"/>
-          </a:xfrm>
-          <a:prstGeom prst="ellipse">
-            <a:avLst/>
-          </a:prstGeom>
-        </p:spPr>
-        <p:style>
-          <a:lnRef idx="2">
-            <a:schemeClr val="accent1">
-              <a:shade val="50000"/>
-            </a:schemeClr>
-          </a:lnRef>
-          <a:fillRef idx="1">
-            <a:schemeClr val="accent1"/>
-          </a:fillRef>
-          <a:effectRef idx="0">
-            <a:schemeClr val="accent1"/>
-          </a:effectRef>
-          <a:fontRef idx="minor">
-            <a:schemeClr val="lt1"/>
-          </a:fontRef>
-        </p:style>
-        <p:txBody>
-          <a:bodyPr rtlCol="0" anchor="ctr"/>
-          <a:lstStyle/>
-          <a:p>
-            <a:pPr algn="ctr"/>
-            <a:endParaRPr lang="en-US"/>
-          </a:p>
-        </p:txBody>
-      </p:sp>
-      <p:sp>
-        <p:nvSpPr>
-          <p:cNvPr id="9" name="Oval 8"/>
-          <p:cNvSpPr/>
-          <p:nvPr/>
-        </p:nvSpPr>
-        <p:spPr>
-          <a:xfrm>
-            <a:off x="3604530" y="3249388"/>
-            <a:ext cx="800099" cy="767444"/>
-          </a:xfrm>
-          <a:prstGeom prst="ellipse">
-            <a:avLst/>
-          </a:prstGeom>
-        </p:spPr>
-        <p:style>
-          <a:lnRef idx="2">
-            <a:schemeClr val="accent1">
-              <a:shade val="50000"/>
-            </a:schemeClr>
-          </a:lnRef>
-          <a:fillRef idx="1">
-            <a:schemeClr val="accent1"/>
-          </a:fillRef>
-          <a:effectRef idx="0">
-            <a:schemeClr val="accent1"/>
-          </a:effectRef>
-          <a:fontRef idx="minor">
-            <a:schemeClr val="lt1"/>
-          </a:fontRef>
-        </p:style>
-        <p:txBody>
-          <a:bodyPr rtlCol="0" anchor="ctr"/>
-          <a:lstStyle/>
-          <a:p>
-            <a:pPr algn="ctr"/>
-            <a:endParaRPr lang="en-US"/>
-          </a:p>
-        </p:txBody>
-      </p:sp>
-      <p:sp>
-        <p:nvSpPr>
-          <p:cNvPr id="10" name="Oval 9"/>
-          <p:cNvSpPr/>
-          <p:nvPr/>
-        </p:nvSpPr>
-        <p:spPr>
-          <a:xfrm>
-            <a:off x="4812165" y="3034395"/>
-            <a:ext cx="800099" cy="767444"/>
-          </a:xfrm>
-          <a:prstGeom prst="ellipse">
-            <a:avLst/>
-          </a:prstGeom>
-        </p:spPr>
-        <p:style>
-          <a:lnRef idx="2">
-            <a:schemeClr val="accent1">
-              <a:shade val="50000"/>
-            </a:schemeClr>
-          </a:lnRef>
-          <a:fillRef idx="1">
-            <a:schemeClr val="accent1"/>
-          </a:fillRef>
-          <a:effectRef idx="0">
-            <a:schemeClr val="accent1"/>
-          </a:effectRef>
-          <a:fontRef idx="minor">
-            <a:schemeClr val="lt1"/>
-          </a:fontRef>
-        </p:style>
-        <p:txBody>
-          <a:bodyPr rtlCol="0" anchor="ctr"/>
-          <a:lstStyle/>
-          <a:p>
-            <a:pPr algn="ctr"/>
-            <a:endParaRPr lang="en-US"/>
-          </a:p>
-        </p:txBody>
-      </p:sp>
+          <a:noFill/>
+          <a:extLst>
+            <a:ext uri="{909E8E84-426E-40DD-AFC4-6F175D3DCCD1}">
+              <a14:hiddenFill xmlns:a14="http://schemas.microsoft.com/office/drawing/2010/main">
+                <a:solidFill>
+                  <a:srgbClr val="FFFFFF"/>
+                </a:solidFill>
+              </a14:hiddenFill>
+            </a:ext>
+          </a:extLst>
+        </p:spPr>
+      </p:pic>
     </p:spTree>
     <p:extLst>
       <p:ext uri="{BB962C8B-B14F-4D97-AF65-F5344CB8AC3E}">
-        <p14:creationId xmlns:p14="http://schemas.microsoft.com/office/powerpoint/2010/main" val="1593224904"/>
+        <p14:creationId xmlns:p14="http://schemas.microsoft.com/office/powerpoint/2010/main" val="461976825"/>
       </p:ext>
     </p:extLst>
   </p:cSld>
@@ -5105,7 +5006,7 @@
           <a:p>
             <a:r>
               <a:rPr lang="en-US" dirty="0" smtClean="0"/>
-              <a:t>A* Algorithm</a:t>
+              <a:t>D* Algorithm</a:t>
             </a:r>
             <a:endParaRPr lang="en-US" dirty="0"/>
           </a:p>
@@ -5134,7 +5035,11 @@
             <a:pPr lvl="1"/>
             <a:r>
               <a:rPr lang="en-US" sz="2000" dirty="0" smtClean="0"/>
-              <a:t>Avoids expanding paths that are quickly expensive</a:t>
+              <a:t>Dynamic A* </a:t>
+            </a:r>
+            <a:r>
+              <a:rPr lang="en-US" sz="2000" dirty="0" smtClean="0"/>
+              <a:t>search</a:t>
             </a:r>
           </a:p>
           <a:p>
@@ -5145,161 +5050,46 @@
             <a:pPr lvl="1"/>
             <a:r>
               <a:rPr lang="en-US" sz="2000" dirty="0" smtClean="0"/>
-              <a:t>Uses application-based heuristic to estimate future </a:t>
-            </a:r>
+              <a:t>Searches from goal to start, unlike A*</a:t>
+            </a:r>
+          </a:p>
+          <a:p>
+            <a:pPr lvl="1"/>
+            <a:endParaRPr lang="en-US" sz="2000" dirty="0"/>
+          </a:p>
+          <a:p>
+            <a:pPr lvl="1"/>
             <a:r>
               <a:rPr lang="en-US" sz="2000" dirty="0" smtClean="0"/>
-              <a:t>cost</a:t>
-            </a:r>
+              <a:t>Like A*, guaranteed to find the optimal path between two nodes</a:t>
+            </a:r>
+            <a:endParaRPr lang="en-US" sz="2000" dirty="0" smtClean="0"/>
+          </a:p>
+          <a:p>
+            <a:pPr lvl="1"/>
             <a:endParaRPr lang="en-US" sz="2000" dirty="0"/>
           </a:p>
-        </p:txBody>
-      </p:sp>
-      <p:pic>
-        <p:nvPicPr>
-          <p:cNvPr id="2050" name="Picture 2" descr="f(n) = g(n) + h(n)"/>
-          <p:cNvPicPr>
-            <a:picLocks noChangeAspect="1" noChangeArrowheads="1"/>
-          </p:cNvPicPr>
-          <p:nvPr/>
-        </p:nvPicPr>
-        <p:blipFill>
-          <a:blip r:embed="rId3">
-            <a:extLst>
-              <a:ext uri="{28A0092B-C50C-407E-A947-70E740481C1C}">
-                <a14:useLocalDpi xmlns:a14="http://schemas.microsoft.com/office/drawing/2010/main" val="0"/>
-              </a:ext>
-            </a:extLst>
-          </a:blip>
-          <a:srcRect/>
-          <a:stretch>
-            <a:fillRect/>
-          </a:stretch>
-        </p:blipFill>
-        <p:spPr bwMode="auto">
-          <a:xfrm>
-            <a:off x="4637797" y="4818515"/>
-            <a:ext cx="4677073" cy="610053"/>
-          </a:xfrm>
-          <a:prstGeom prst="rect">
-            <a:avLst/>
-          </a:prstGeom>
-          <a:noFill/>
-          <a:extLst>
-            <a:ext uri="{909E8E84-426E-40DD-AFC4-6F175D3DCCD1}">
-              <a14:hiddenFill xmlns:a14="http://schemas.microsoft.com/office/drawing/2010/main">
-                <a:solidFill>
-                  <a:srgbClr val="FFFFFF"/>
-                </a:solidFill>
-              </a14:hiddenFill>
-            </a:ext>
-          </a:extLst>
-        </p:spPr>
-      </p:pic>
-      <p:pic>
-        <p:nvPicPr>
-          <p:cNvPr id="1030" name="Picture 6" descr="https://upload.wikimedia.org/wikipedia/commons/8/85/Weighted_A_star_with_eps_5.gif"/>
-          <p:cNvPicPr>
-            <a:picLocks noChangeAspect="1" noChangeArrowheads="1" noCrop="1"/>
-          </p:cNvPicPr>
-          <p:nvPr/>
-        </p:nvPicPr>
-        <p:blipFill>
-          <a:blip r:embed="rId4">
-            <a:extLst>
-              <a:ext uri="{28A0092B-C50C-407E-A947-70E740481C1C}">
-                <a14:useLocalDpi xmlns:a14="http://schemas.microsoft.com/office/drawing/2010/main" val="0"/>
-              </a:ext>
-            </a:extLst>
-          </a:blip>
-          <a:srcRect/>
-          <a:stretch>
-            <a:fillRect/>
-          </a:stretch>
-        </p:blipFill>
-        <p:spPr bwMode="auto">
-          <a:xfrm>
-            <a:off x="1313106" y="3818390"/>
-            <a:ext cx="2000250" cy="2000250"/>
-          </a:xfrm>
-          <a:prstGeom prst="rect">
-            <a:avLst/>
-          </a:prstGeom>
-          <a:noFill/>
-          <a:extLst>
-            <a:ext uri="{909E8E84-426E-40DD-AFC4-6F175D3DCCD1}">
-              <a14:hiddenFill xmlns:a14="http://schemas.microsoft.com/office/drawing/2010/main">
-                <a:solidFill>
-                  <a:srgbClr val="FFFFFF"/>
-                </a:solidFill>
-              </a14:hiddenFill>
-            </a:ext>
-          </a:extLst>
-        </p:spPr>
-      </p:pic>
-      <p:pic>
-        <p:nvPicPr>
-          <p:cNvPr id="1032" name="Picture 8" descr="https://upload.wikimedia.org/wikipedia/commons/5/5d/Astar_progress_animation.gif"/>
-          <p:cNvPicPr>
-            <a:picLocks noChangeAspect="1" noChangeArrowheads="1" noCrop="1"/>
-          </p:cNvPicPr>
-          <p:nvPr/>
-        </p:nvPicPr>
-        <p:blipFill>
-          <a:blip r:embed="rId5">
-            <a:extLst>
-              <a:ext uri="{28A0092B-C50C-407E-A947-70E740481C1C}">
-                <a14:useLocalDpi xmlns:a14="http://schemas.microsoft.com/office/drawing/2010/main" val="0"/>
-              </a:ext>
-            </a:extLst>
-          </a:blip>
-          <a:srcRect/>
-          <a:stretch>
-            <a:fillRect/>
-          </a:stretch>
-        </p:blipFill>
-        <p:spPr bwMode="auto">
-          <a:xfrm>
-            <a:off x="8778912" y="1976486"/>
-            <a:ext cx="2000250" cy="2000250"/>
-          </a:xfrm>
-          <a:prstGeom prst="rect">
-            <a:avLst/>
-          </a:prstGeom>
-          <a:noFill/>
-          <a:extLst>
-            <a:ext uri="{909E8E84-426E-40DD-AFC4-6F175D3DCCD1}">
-              <a14:hiddenFill xmlns:a14="http://schemas.microsoft.com/office/drawing/2010/main">
-                <a:solidFill>
-                  <a:srgbClr val="FFFFFF"/>
-                </a:solidFill>
-              </a14:hiddenFill>
-            </a:ext>
-          </a:extLst>
-        </p:spPr>
-      </p:pic>
+          <a:p>
+            <a:pPr lvl="1"/>
+            <a:endParaRPr lang="en-US" sz="2000" dirty="0"/>
+          </a:p>
+        </p:txBody>
+      </p:sp>
     </p:spTree>
     <p:extLst>
       <p:ext uri="{BB962C8B-B14F-4D97-AF65-F5344CB8AC3E}">
-        <p14:creationId xmlns:p14="http://schemas.microsoft.com/office/powerpoint/2010/main" val="461976825"/>
+        <p14:creationId xmlns:p14="http://schemas.microsoft.com/office/powerpoint/2010/main" val="1305922663"/>
       </p:ext>
     </p:extLst>
   </p:cSld>
   <p:clrMapOvr>
     <a:masterClrMapping/>
   </p:clrMapOvr>
-  <p:timing>
-    <p:tnLst>
-      <p:par>
-        <p:cTn id="1" dur="indefinite" restart="never" nodeType="tmRoot"/>
-      </p:par>
-    </p:tnLst>
-  </p:timing>
 </p:sld>
 </file>
 
 <file path=ppt/slides/slide5.xml><?xml version="1.0" encoding="utf-8"?>
-<p:sld xmlns:a="http://schemas.openxmlformats.org/drawingml/2006/main" xmlns:r="http://schemas.openxmlformats.org/officeDocument/2006/relationships" xmlns:p="http://schemas.openxmlformats.org/presentationml/2006/main">
+<p:sld xmlns:a="http://schemas.openxmlformats.org/drawingml/2006/main" xmlns:r="http://schemas.openxmlformats.org/officeDocument/2006/relationships" xmlns:p="http://schemas.openxmlformats.org/presentationml/2006/main" showMasterSp="0">
   <p:cSld>
     <p:spTree>
       <p:nvGrpSpPr>
@@ -5317,234 +5107,304 @@
       </p:grpSpPr>
       <p:sp>
         <p:nvSpPr>
-          <p:cNvPr id="2" name="Title 1"/>
-          <p:cNvSpPr>
-            <a:spLocks noGrp="1"/>
-          </p:cNvSpPr>
-          <p:nvPr>
-            <p:ph type="title"/>
-          </p:nvPr>
-        </p:nvSpPr>
-        <p:spPr/>
-        <p:txBody>
-          <a:bodyPr/>
-          <a:lstStyle/>
-          <a:p>
-            <a:r>
-              <a:rPr lang="en-US" dirty="0" smtClean="0"/>
-              <a:t>D* Algorithm</a:t>
-            </a:r>
-            <a:endParaRPr lang="en-US" dirty="0"/>
-          </a:p>
-        </p:txBody>
-      </p:sp>
-      <p:sp>
-        <p:nvSpPr>
-          <p:cNvPr id="3" name="Content Placeholder 2"/>
-          <p:cNvSpPr>
-            <a:spLocks noGrp="1"/>
-          </p:cNvSpPr>
-          <p:nvPr>
-            <p:ph idx="1"/>
-          </p:nvPr>
-        </p:nvSpPr>
-        <p:spPr>
-          <a:xfrm>
-            <a:off x="1097280" y="2139042"/>
-            <a:ext cx="10058400" cy="3730051"/>
-          </a:xfrm>
-        </p:spPr>
-        <p:txBody>
-          <a:bodyPr/>
-          <a:lstStyle/>
-          <a:p>
-            <a:pPr lvl="1"/>
-            <a:r>
-              <a:rPr lang="en-US" sz="2000" dirty="0" smtClean="0"/>
-              <a:t>Dynamic A* search</a:t>
-            </a:r>
-          </a:p>
-          <a:p>
-            <a:pPr lvl="1"/>
-            <a:endParaRPr lang="en-US" sz="2000" dirty="0"/>
-          </a:p>
-          <a:p>
-            <a:pPr lvl="1"/>
-            <a:endParaRPr lang="en-US" sz="2000" dirty="0"/>
+          <p:cNvPr id="4" name="Oval 3"/>
+          <p:cNvSpPr/>
+          <p:nvPr/>
+        </p:nvSpPr>
+        <p:spPr>
+          <a:xfrm>
+            <a:off x="636814" y="963385"/>
+            <a:ext cx="800099" cy="767444"/>
+          </a:xfrm>
+          <a:prstGeom prst="ellipse">
+            <a:avLst/>
+          </a:prstGeom>
+        </p:spPr>
+        <p:style>
+          <a:lnRef idx="2">
+            <a:schemeClr val="accent1">
+              <a:shade val="50000"/>
+            </a:schemeClr>
+          </a:lnRef>
+          <a:fillRef idx="1">
+            <a:schemeClr val="accent1"/>
+          </a:fillRef>
+          <a:effectRef idx="0">
+            <a:schemeClr val="accent1"/>
+          </a:effectRef>
+          <a:fontRef idx="minor">
+            <a:schemeClr val="lt1"/>
+          </a:fontRef>
+        </p:style>
+        <p:txBody>
+          <a:bodyPr rtlCol="0" anchor="ctr"/>
+          <a:lstStyle/>
+          <a:p>
+            <a:pPr algn="ctr"/>
+            <a:endParaRPr lang="en-US"/>
+          </a:p>
+        </p:txBody>
+      </p:sp>
+      <p:sp>
+        <p:nvSpPr>
+          <p:cNvPr id="5" name="Oval 4"/>
+          <p:cNvSpPr/>
+          <p:nvPr/>
+        </p:nvSpPr>
+        <p:spPr>
+          <a:xfrm>
+            <a:off x="1246414" y="2079171"/>
+            <a:ext cx="800099" cy="767444"/>
+          </a:xfrm>
+          <a:prstGeom prst="ellipse">
+            <a:avLst/>
+          </a:prstGeom>
+        </p:spPr>
+        <p:style>
+          <a:lnRef idx="2">
+            <a:schemeClr val="accent1">
+              <a:shade val="50000"/>
+            </a:schemeClr>
+          </a:lnRef>
+          <a:fillRef idx="1">
+            <a:schemeClr val="accent1"/>
+          </a:fillRef>
+          <a:effectRef idx="0">
+            <a:schemeClr val="accent1"/>
+          </a:effectRef>
+          <a:fontRef idx="minor">
+            <a:schemeClr val="lt1"/>
+          </a:fontRef>
+        </p:style>
+        <p:txBody>
+          <a:bodyPr rtlCol="0" anchor="ctr"/>
+          <a:lstStyle/>
+          <a:p>
+            <a:pPr algn="ctr"/>
+            <a:endParaRPr lang="en-US"/>
+          </a:p>
+        </p:txBody>
+      </p:sp>
+      <p:sp>
+        <p:nvSpPr>
+          <p:cNvPr id="6" name="Oval 5"/>
+          <p:cNvSpPr/>
+          <p:nvPr/>
+        </p:nvSpPr>
+        <p:spPr>
+          <a:xfrm>
+            <a:off x="6092600" y="2405742"/>
+            <a:ext cx="800099" cy="767444"/>
+          </a:xfrm>
+          <a:prstGeom prst="ellipse">
+            <a:avLst/>
+          </a:prstGeom>
+          <a:solidFill>
+            <a:srgbClr val="00B0F0"/>
+          </a:solidFill>
+        </p:spPr>
+        <p:style>
+          <a:lnRef idx="2">
+            <a:schemeClr val="accent1">
+              <a:shade val="50000"/>
+            </a:schemeClr>
+          </a:lnRef>
+          <a:fillRef idx="1">
+            <a:schemeClr val="accent1"/>
+          </a:fillRef>
+          <a:effectRef idx="0">
+            <a:schemeClr val="accent1"/>
+          </a:effectRef>
+          <a:fontRef idx="minor">
+            <a:schemeClr val="lt1"/>
+          </a:fontRef>
+        </p:style>
+        <p:txBody>
+          <a:bodyPr rtlCol="0" anchor="ctr"/>
+          <a:lstStyle/>
+          <a:p>
+            <a:pPr algn="ctr"/>
+            <a:endParaRPr lang="en-US"/>
+          </a:p>
+        </p:txBody>
+      </p:sp>
+      <p:sp>
+        <p:nvSpPr>
+          <p:cNvPr id="7" name="Oval 6"/>
+          <p:cNvSpPr/>
+          <p:nvPr/>
+        </p:nvSpPr>
+        <p:spPr>
+          <a:xfrm>
+            <a:off x="8743949" y="4016832"/>
+            <a:ext cx="800099" cy="767444"/>
+          </a:xfrm>
+          <a:prstGeom prst="ellipse">
+            <a:avLst/>
+          </a:prstGeom>
+        </p:spPr>
+        <p:style>
+          <a:lnRef idx="2">
+            <a:schemeClr val="accent1">
+              <a:shade val="50000"/>
+            </a:schemeClr>
+          </a:lnRef>
+          <a:fillRef idx="1">
+            <a:schemeClr val="accent1"/>
+          </a:fillRef>
+          <a:effectRef idx="0">
+            <a:schemeClr val="accent1"/>
+          </a:effectRef>
+          <a:fontRef idx="minor">
+            <a:schemeClr val="lt1"/>
+          </a:fontRef>
+        </p:style>
+        <p:txBody>
+          <a:bodyPr rtlCol="0" anchor="ctr"/>
+          <a:lstStyle/>
+          <a:p>
+            <a:pPr algn="ctr"/>
+            <a:endParaRPr lang="en-US"/>
+          </a:p>
+        </p:txBody>
+      </p:sp>
+      <p:sp>
+        <p:nvSpPr>
+          <p:cNvPr id="8" name="Oval 7"/>
+          <p:cNvSpPr/>
+          <p:nvPr/>
+        </p:nvSpPr>
+        <p:spPr>
+          <a:xfrm>
+            <a:off x="2217962" y="3031672"/>
+            <a:ext cx="800099" cy="767444"/>
+          </a:xfrm>
+          <a:prstGeom prst="ellipse">
+            <a:avLst/>
+          </a:prstGeom>
+        </p:spPr>
+        <p:style>
+          <a:lnRef idx="2">
+            <a:schemeClr val="accent1">
+              <a:shade val="50000"/>
+            </a:schemeClr>
+          </a:lnRef>
+          <a:fillRef idx="1">
+            <a:schemeClr val="accent1"/>
+          </a:fillRef>
+          <a:effectRef idx="0">
+            <a:schemeClr val="accent1"/>
+          </a:effectRef>
+          <a:fontRef idx="minor">
+            <a:schemeClr val="lt1"/>
+          </a:fontRef>
+        </p:style>
+        <p:txBody>
+          <a:bodyPr rtlCol="0" anchor="ctr"/>
+          <a:lstStyle/>
+          <a:p>
+            <a:pPr algn="ctr"/>
+            <a:endParaRPr lang="en-US"/>
+          </a:p>
+        </p:txBody>
+      </p:sp>
+      <p:sp>
+        <p:nvSpPr>
+          <p:cNvPr id="9" name="Oval 8"/>
+          <p:cNvSpPr/>
+          <p:nvPr/>
+        </p:nvSpPr>
+        <p:spPr>
+          <a:xfrm>
+            <a:off x="3604530" y="3249388"/>
+            <a:ext cx="800099" cy="767444"/>
+          </a:xfrm>
+          <a:prstGeom prst="ellipse">
+            <a:avLst/>
+          </a:prstGeom>
+        </p:spPr>
+        <p:style>
+          <a:lnRef idx="2">
+            <a:schemeClr val="accent1">
+              <a:shade val="50000"/>
+            </a:schemeClr>
+          </a:lnRef>
+          <a:fillRef idx="1">
+            <a:schemeClr val="accent1"/>
+          </a:fillRef>
+          <a:effectRef idx="0">
+            <a:schemeClr val="accent1"/>
+          </a:effectRef>
+          <a:fontRef idx="minor">
+            <a:schemeClr val="lt1"/>
+          </a:fontRef>
+        </p:style>
+        <p:txBody>
+          <a:bodyPr rtlCol="0" anchor="ctr"/>
+          <a:lstStyle/>
+          <a:p>
+            <a:pPr algn="ctr"/>
+            <a:endParaRPr lang="en-US"/>
+          </a:p>
+        </p:txBody>
+      </p:sp>
+      <p:sp>
+        <p:nvSpPr>
+          <p:cNvPr id="10" name="Oval 9"/>
+          <p:cNvSpPr/>
+          <p:nvPr/>
+        </p:nvSpPr>
+        <p:spPr>
+          <a:xfrm>
+            <a:off x="4812165" y="3034395"/>
+            <a:ext cx="800099" cy="767444"/>
+          </a:xfrm>
+          <a:prstGeom prst="ellipse">
+            <a:avLst/>
+          </a:prstGeom>
+        </p:spPr>
+        <p:style>
+          <a:lnRef idx="2">
+            <a:schemeClr val="accent1">
+              <a:shade val="50000"/>
+            </a:schemeClr>
+          </a:lnRef>
+          <a:fillRef idx="1">
+            <a:schemeClr val="accent1"/>
+          </a:fillRef>
+          <a:effectRef idx="0">
+            <a:schemeClr val="accent1"/>
+          </a:effectRef>
+          <a:fontRef idx="minor">
+            <a:schemeClr val="lt1"/>
+          </a:fontRef>
+        </p:style>
+        <p:txBody>
+          <a:bodyPr rtlCol="0" anchor="ctr"/>
+          <a:lstStyle/>
+          <a:p>
+            <a:pPr algn="ctr"/>
+            <a:endParaRPr lang="en-US"/>
           </a:p>
         </p:txBody>
       </p:sp>
     </p:spTree>
     <p:extLst>
       <p:ext uri="{BB962C8B-B14F-4D97-AF65-F5344CB8AC3E}">
-        <p14:creationId xmlns:p14="http://schemas.microsoft.com/office/powerpoint/2010/main" val="1305922663"/>
+        <p14:creationId xmlns:p14="http://schemas.microsoft.com/office/powerpoint/2010/main" val="1593224904"/>
       </p:ext>
     </p:extLst>
   </p:cSld>
   <p:clrMapOvr>
     <a:masterClrMapping/>
   </p:clrMapOvr>
-</p:sld>
-</file>
-
-<file path=ppt/slides/slide6.xml><?xml version="1.0" encoding="utf-8"?>
-<p:sld xmlns:a="http://schemas.openxmlformats.org/drawingml/2006/main" xmlns:r="http://schemas.openxmlformats.org/officeDocument/2006/relationships" xmlns:p="http://schemas.openxmlformats.org/presentationml/2006/main">
-  <p:cSld>
-    <p:spTree>
-      <p:nvGrpSpPr>
-        <p:cNvPr id="1" name=""/>
-        <p:cNvGrpSpPr/>
-        <p:nvPr/>
-      </p:nvGrpSpPr>
-      <p:grpSpPr>
-        <a:xfrm>
-          <a:off x="0" y="0"/>
-          <a:ext cx="0" cy="0"/>
-          <a:chOff x="0" y="0"/>
-          <a:chExt cx="0" cy="0"/>
-        </a:xfrm>
-      </p:grpSpPr>
-      <p:sp>
-        <p:nvSpPr>
-          <p:cNvPr id="2" name="Title 1"/>
-          <p:cNvSpPr>
-            <a:spLocks noGrp="1"/>
-          </p:cNvSpPr>
-          <p:nvPr>
-            <p:ph type="title"/>
-          </p:nvPr>
-        </p:nvSpPr>
-        <p:spPr/>
-        <p:txBody>
-          <a:bodyPr/>
-          <a:lstStyle/>
-          <a:p>
-            <a:r>
-              <a:rPr lang="en-US" dirty="0" smtClean="0"/>
-              <a:t>D* Lite Algorithm</a:t>
-            </a:r>
-            <a:endParaRPr lang="en-US" dirty="0"/>
-          </a:p>
-        </p:txBody>
-      </p:sp>
-      <p:sp>
-        <p:nvSpPr>
-          <p:cNvPr id="5" name="Content Placeholder 2"/>
-          <p:cNvSpPr>
-            <a:spLocks noGrp="1"/>
-          </p:cNvSpPr>
-          <p:nvPr>
-            <p:ph idx="1"/>
-          </p:nvPr>
-        </p:nvSpPr>
-        <p:spPr>
-          <a:xfrm>
-            <a:off x="1097280" y="2139042"/>
-            <a:ext cx="10058400" cy="3730051"/>
-          </a:xfrm>
-        </p:spPr>
-        <p:txBody>
-          <a:bodyPr/>
-          <a:lstStyle/>
-          <a:p>
-            <a:pPr lvl="1"/>
-            <a:r>
-              <a:rPr lang="en-US" sz="2000" dirty="0" smtClean="0"/>
-              <a:t>Is at least as efficient as D* and is substantially shorter</a:t>
-            </a:r>
-          </a:p>
-          <a:p>
-            <a:pPr lvl="1"/>
-            <a:endParaRPr lang="en-US" sz="2000" dirty="0"/>
-          </a:p>
-          <a:p>
-            <a:pPr lvl="1"/>
-            <a:endParaRPr lang="en-US" sz="2000" dirty="0"/>
-          </a:p>
-        </p:txBody>
-      </p:sp>
-    </p:spTree>
-    <p:extLst>
-      <p:ext uri="{BB962C8B-B14F-4D97-AF65-F5344CB8AC3E}">
-        <p14:creationId xmlns:p14="http://schemas.microsoft.com/office/powerpoint/2010/main" val="2054712286"/>
-      </p:ext>
-    </p:extLst>
-  </p:cSld>
-  <p:clrMapOvr>
-    <a:masterClrMapping/>
-  </p:clrMapOvr>
-</p:sld>
-</file>
-
-<file path=ppt/slides/slide7.xml><?xml version="1.0" encoding="utf-8"?>
-<p:sld xmlns:a="http://schemas.openxmlformats.org/drawingml/2006/main" xmlns:r="http://schemas.openxmlformats.org/officeDocument/2006/relationships" xmlns:p="http://schemas.openxmlformats.org/presentationml/2006/main">
-  <p:cSld>
-    <p:spTree>
-      <p:nvGrpSpPr>
-        <p:cNvPr id="1" name=""/>
-        <p:cNvGrpSpPr/>
-        <p:nvPr/>
-      </p:nvGrpSpPr>
-      <p:grpSpPr>
-        <a:xfrm>
-          <a:off x="0" y="0"/>
-          <a:ext cx="0" cy="0"/>
-          <a:chOff x="0" y="0"/>
-          <a:chExt cx="0" cy="0"/>
-        </a:xfrm>
-      </p:grpSpPr>
-      <p:sp>
-        <p:nvSpPr>
-          <p:cNvPr id="2" name="Title 1"/>
-          <p:cNvSpPr>
-            <a:spLocks noGrp="1"/>
-          </p:cNvSpPr>
-          <p:nvPr>
-            <p:ph type="title"/>
-          </p:nvPr>
-        </p:nvSpPr>
-        <p:spPr/>
-        <p:txBody>
-          <a:bodyPr/>
-          <a:lstStyle/>
-          <a:p>
-            <a:r>
-              <a:rPr lang="en-US" dirty="0" smtClean="0"/>
-              <a:t>Our Implementation</a:t>
-            </a:r>
-            <a:endParaRPr lang="en-US" dirty="0"/>
-          </a:p>
-        </p:txBody>
-      </p:sp>
-      <p:sp>
-        <p:nvSpPr>
-          <p:cNvPr id="3" name="Content Placeholder 2"/>
-          <p:cNvSpPr>
-            <a:spLocks noGrp="1"/>
-          </p:cNvSpPr>
-          <p:nvPr>
-            <p:ph idx="1"/>
-          </p:nvPr>
-        </p:nvSpPr>
-        <p:spPr/>
-        <p:txBody>
-          <a:bodyPr/>
-          <a:lstStyle/>
-          <a:p>
-            <a:endParaRPr lang="en-US" dirty="0"/>
-          </a:p>
-        </p:txBody>
-      </p:sp>
-    </p:spTree>
-    <p:extLst>
-      <p:ext uri="{BB962C8B-B14F-4D97-AF65-F5344CB8AC3E}">
-        <p14:creationId xmlns:p14="http://schemas.microsoft.com/office/powerpoint/2010/main" val="3937306223"/>
-      </p:ext>
-    </p:extLst>
-  </p:cSld>
-  <p:clrMapOvr>
-    <a:masterClrMapping/>
-  </p:clrMapOvr>
+  <p:timing>
+    <p:tnLst>
+      <p:par>
+        <p:cTn id="1" dur="indefinite" restart="never" nodeType="tmRoot"/>
+      </p:par>
+    </p:tnLst>
+  </p:timing>
 </p:sld>
 </file>
 

--- a/Presentation Material/Presentation.pptx
+++ b/Presentation Material/Presentation.pptx
@@ -652,7 +652,29 @@
           <a:p>
             <a:r>
               <a:rPr lang="en-US" baseline="0" dirty="0" smtClean="0"/>
-              <a:t>h(n) can never overestimate the actual path cost (assumes no obstacles, basically)</a:t>
+              <a:t>h(n) can never overestimate the actual path cost (assumes no obstacles, basically</a:t>
+            </a:r>
+            <a:r>
+              <a:rPr lang="en-US" baseline="0" dirty="0" smtClean="0"/>
+              <a:t>)</a:t>
+            </a:r>
+          </a:p>
+          <a:p>
+            <a:endParaRPr lang="en-US" baseline="0" dirty="0" smtClean="0"/>
+          </a:p>
+          <a:p>
+            <a:r>
+              <a:rPr lang="en-US" baseline="0" dirty="0" smtClean="0"/>
+              <a:t>h(n) – heuristic that estimates cost (problem specific)</a:t>
+            </a:r>
+          </a:p>
+          <a:p>
+            <a:endParaRPr lang="en-US" baseline="0" dirty="0" smtClean="0"/>
+          </a:p>
+          <a:p>
+            <a:r>
+              <a:rPr lang="en-US" baseline="0" dirty="0" smtClean="0"/>
+              <a:t>g(n) – cost of path from start to end</a:t>
             </a:r>
             <a:endParaRPr lang="en-US" dirty="0"/>
           </a:p>
@@ -4831,9 +4853,9 @@
       </p:sp>
       <p:pic>
         <p:nvPicPr>
-          <p:cNvPr id="2050" name="Picture 2" descr="f(n) = g(n) + h(n)"/>
+          <p:cNvPr id="1030" name="Picture 6" descr="https://upload.wikimedia.org/wikipedia/commons/8/85/Weighted_A_star_with_eps_5.gif"/>
           <p:cNvPicPr>
-            <a:picLocks noChangeAspect="1" noChangeArrowheads="1"/>
+            <a:picLocks noChangeAspect="1" noChangeArrowheads="1" noCrop="1"/>
           </p:cNvPicPr>
           <p:nvPr/>
         </p:nvPicPr>
@@ -4852,8 +4874,8 @@
         </p:blipFill>
         <p:spPr bwMode="auto">
           <a:xfrm>
-            <a:off x="4637797" y="4818515"/>
-            <a:ext cx="4677073" cy="610053"/>
+            <a:off x="1313106" y="3818390"/>
+            <a:ext cx="2000250" cy="2000250"/>
           </a:xfrm>
           <a:prstGeom prst="rect">
             <a:avLst/>
@@ -4872,7 +4894,7 @@
       </p:pic>
       <p:pic>
         <p:nvPicPr>
-          <p:cNvPr id="1030" name="Picture 6" descr="https://upload.wikimedia.org/wikipedia/commons/8/85/Weighted_A_star_with_eps_5.gif"/>
+          <p:cNvPr id="1032" name="Picture 8" descr="https://upload.wikimedia.org/wikipedia/commons/5/5d/Astar_progress_animation.gif"/>
           <p:cNvPicPr>
             <a:picLocks noChangeAspect="1" noChangeArrowheads="1" noCrop="1"/>
           </p:cNvPicPr>
@@ -4893,7 +4915,7 @@
         </p:blipFill>
         <p:spPr bwMode="auto">
           <a:xfrm>
-            <a:off x="1313106" y="3818390"/>
+            <a:off x="8778912" y="1976486"/>
             <a:ext cx="2000250" cy="2000250"/>
           </a:xfrm>
           <a:prstGeom prst="rect">
@@ -4911,47 +4933,165 @@
           </a:extLst>
         </p:spPr>
       </p:pic>
-      <p:pic>
-        <p:nvPicPr>
-          <p:cNvPr id="1032" name="Picture 8" descr="https://upload.wikimedia.org/wikipedia/commons/5/5d/Astar_progress_animation.gif"/>
-          <p:cNvPicPr>
-            <a:picLocks noChangeAspect="1" noChangeArrowheads="1" noCrop="1"/>
-          </p:cNvPicPr>
-          <p:nvPr/>
-        </p:nvPicPr>
-        <p:blipFill>
-          <a:blip r:embed="rId5">
-            <a:extLst>
-              <a:ext uri="{28A0092B-C50C-407E-A947-70E740481C1C}">
-                <a14:useLocalDpi xmlns:a14="http://schemas.microsoft.com/office/drawing/2010/main" val="0"/>
-              </a:ext>
-            </a:extLst>
-          </a:blip>
-          <a:srcRect/>
-          <a:stretch>
-            <a:fillRect/>
-          </a:stretch>
-        </p:blipFill>
-        <p:spPr bwMode="auto">
-          <a:xfrm>
-            <a:off x="8778912" y="1976486"/>
-            <a:ext cx="2000250" cy="2000250"/>
-          </a:xfrm>
-          <a:prstGeom prst="rect">
-            <a:avLst/>
-          </a:prstGeom>
-          <a:noFill/>
-          <a:extLst>
-            <a:ext uri="{909E8E84-426E-40DD-AFC4-6F175D3DCCD1}">
-              <a14:hiddenFill xmlns:a14="http://schemas.microsoft.com/office/drawing/2010/main">
-                <a:solidFill>
-                  <a:srgbClr val="FFFFFF"/>
-                </a:solidFill>
-              </a14:hiddenFill>
-            </a:ext>
-          </a:extLst>
-        </p:spPr>
-      </p:pic>
+      <mc:AlternateContent xmlns:mc="http://schemas.openxmlformats.org/markup-compatibility/2006">
+        <mc:Choice xmlns:a14="http://schemas.microsoft.com/office/drawing/2010/main" Requires="a14">
+          <p:sp>
+            <p:nvSpPr>
+              <p:cNvPr id="4" name="TextBox 3"/>
+              <p:cNvSpPr txBox="1"/>
+              <p:nvPr/>
+            </p:nvSpPr>
+            <p:spPr>
+              <a:xfrm>
+                <a:off x="4334618" y="4184250"/>
+                <a:ext cx="5799800" cy="738664"/>
+              </a:xfrm>
+              <a:prstGeom prst="rect">
+                <a:avLst/>
+              </a:prstGeom>
+              <a:noFill/>
+            </p:spPr>
+            <p:txBody>
+              <a:bodyPr wrap="square" lIns="0" tIns="0" rIns="0" bIns="0" rtlCol="0">
+                <a:spAutoFit/>
+              </a:bodyPr>
+              <a:lstStyle/>
+              <a:p>
+                <a14:m>
+                  <m:oMathPara xmlns:m="http://schemas.openxmlformats.org/officeDocument/2006/math">
+                    <m:oMathParaPr>
+                      <m:jc m:val="centerGroup"/>
+                    </m:oMathParaPr>
+                    <m:oMath xmlns:m="http://schemas.openxmlformats.org/officeDocument/2006/math">
+                      <m:r>
+                        <a:rPr lang="en-US" sz="4800" b="0" i="1" smtClean="0">
+                          <a:latin typeface="Cambria Math" panose="02040503050406030204" pitchFamily="18" charset="0"/>
+                        </a:rPr>
+                        <m:t>𝑓</m:t>
+                      </m:r>
+                      <m:d>
+                        <m:dPr>
+                          <m:ctrlPr>
+                            <a:rPr lang="en-US" sz="4800" b="0" i="1" smtClean="0">
+                              <a:latin typeface="Cambria Math" panose="02040503050406030204" pitchFamily="18" charset="0"/>
+                            </a:rPr>
+                          </m:ctrlPr>
+                        </m:dPr>
+                        <m:e>
+                          <m:r>
+                            <a:rPr lang="en-US" sz="4800" b="0" i="1" smtClean="0">
+                              <a:latin typeface="Cambria Math" panose="02040503050406030204" pitchFamily="18" charset="0"/>
+                            </a:rPr>
+                            <m:t>𝑛</m:t>
+                          </m:r>
+                        </m:e>
+                      </m:d>
+                      <m:r>
+                        <a:rPr lang="en-US" sz="4800" b="0" i="1" smtClean="0">
+                          <a:latin typeface="Cambria Math" panose="02040503050406030204" pitchFamily="18" charset="0"/>
+                        </a:rPr>
+                        <m:t>=</m:t>
+                      </m:r>
+                      <m:r>
+                        <a:rPr lang="en-US" sz="4800" b="0" i="1" smtClean="0">
+                          <a:latin typeface="Cambria Math" panose="02040503050406030204" pitchFamily="18" charset="0"/>
+                        </a:rPr>
+                        <m:t>𝑔</m:t>
+                      </m:r>
+                      <m:d>
+                        <m:dPr>
+                          <m:ctrlPr>
+                            <a:rPr lang="en-US" sz="4800" b="0" i="1" smtClean="0">
+                              <a:latin typeface="Cambria Math" panose="02040503050406030204" pitchFamily="18" charset="0"/>
+                            </a:rPr>
+                          </m:ctrlPr>
+                        </m:dPr>
+                        <m:e>
+                          <m:r>
+                            <a:rPr lang="en-US" sz="4800" b="0" i="1" smtClean="0">
+                              <a:latin typeface="Cambria Math" panose="02040503050406030204" pitchFamily="18" charset="0"/>
+                            </a:rPr>
+                            <m:t>𝑛</m:t>
+                          </m:r>
+                        </m:e>
+                      </m:d>
+                      <m:r>
+                        <a:rPr lang="en-US" sz="4800" b="0" i="1" smtClean="0">
+                          <a:latin typeface="Cambria Math" panose="02040503050406030204" pitchFamily="18" charset="0"/>
+                        </a:rPr>
+                        <m:t>+</m:t>
+                      </m:r>
+                      <m:r>
+                        <a:rPr lang="en-US" sz="4800" b="0" i="1" smtClean="0">
+                          <a:latin typeface="Cambria Math" panose="02040503050406030204" pitchFamily="18" charset="0"/>
+                        </a:rPr>
+                        <m:t>h</m:t>
+                      </m:r>
+                      <m:r>
+                        <a:rPr lang="en-US" sz="4800" b="0" i="1" smtClean="0">
+                          <a:latin typeface="Cambria Math" panose="02040503050406030204" pitchFamily="18" charset="0"/>
+                        </a:rPr>
+                        <m:t>(</m:t>
+                      </m:r>
+                      <m:r>
+                        <a:rPr lang="en-US" sz="4800" b="0" i="1" smtClean="0">
+                          <a:latin typeface="Cambria Math" panose="02040503050406030204" pitchFamily="18" charset="0"/>
+                        </a:rPr>
+                        <m:t>𝑛</m:t>
+                      </m:r>
+                      <m:r>
+                        <a:rPr lang="en-US" sz="4800" b="0" i="1" smtClean="0">
+                          <a:latin typeface="Cambria Math" panose="02040503050406030204" pitchFamily="18" charset="0"/>
+                        </a:rPr>
+                        <m:t>)</m:t>
+                      </m:r>
+                    </m:oMath>
+                  </m:oMathPara>
+                </a14:m>
+                <a:endParaRPr lang="en-US" sz="4800" dirty="0"/>
+              </a:p>
+            </p:txBody>
+          </p:sp>
+        </mc:Choice>
+        <mc:Fallback>
+          <p:sp>
+            <p:nvSpPr>
+              <p:cNvPr id="4" name="TextBox 3"/>
+              <p:cNvSpPr txBox="1">
+                <a:spLocks noRot="1" noChangeAspect="1" noMove="1" noResize="1" noEditPoints="1" noAdjustHandles="1" noChangeArrowheads="1" noChangeShapeType="1" noTextEdit="1"/>
+              </p:cNvSpPr>
+              <p:nvPr/>
+            </p:nvSpPr>
+            <p:spPr>
+              <a:xfrm>
+                <a:off x="4334618" y="4184250"/>
+                <a:ext cx="5799800" cy="738664"/>
+              </a:xfrm>
+              <a:prstGeom prst="rect">
+                <a:avLst/>
+              </a:prstGeom>
+              <a:blipFill rotWithShape="0">
+                <a:blip r:embed="rId5"/>
+                <a:stretch>
+                  <a:fillRect/>
+                </a:stretch>
+              </a:blipFill>
+            </p:spPr>
+            <p:txBody>
+              <a:bodyPr/>
+              <a:lstStyle/>
+              <a:p>
+                <a:r>
+                  <a:rPr lang="en-US">
+                    <a:noFill/>
+                  </a:rPr>
+                  <a:t> </a:t>
+                </a:r>
+              </a:p>
+            </p:txBody>
+          </p:sp>
+        </mc:Fallback>
+      </mc:AlternateContent>
     </p:spTree>
     <p:extLst>
       <p:ext uri="{BB962C8B-B14F-4D97-AF65-F5344CB8AC3E}">
@@ -5035,11 +5175,7 @@
             <a:pPr lvl="1"/>
             <a:r>
               <a:rPr lang="en-US" sz="2000" dirty="0" smtClean="0"/>
-              <a:t>Dynamic A* </a:t>
-            </a:r>
-            <a:r>
-              <a:rPr lang="en-US" sz="2000" dirty="0" smtClean="0"/>
-              <a:t>search</a:t>
+              <a:t>Dynamic A* search</a:t>
             </a:r>
           </a:p>
           <a:p>
@@ -5061,7 +5197,11 @@
             <a:pPr lvl="1"/>
             <a:r>
               <a:rPr lang="en-US" sz="2000" dirty="0" smtClean="0"/>
-              <a:t>Like A*, guaranteed to find the optimal path between two nodes</a:t>
+              <a:t>Like A*, guaranteed to find the optimal path between two </a:t>
+            </a:r>
+            <a:r>
+              <a:rPr lang="en-US" sz="2000" dirty="0" smtClean="0"/>
+              <a:t>nodes</a:t>
             </a:r>
             <a:endParaRPr lang="en-US" sz="2000" dirty="0" smtClean="0"/>
           </a:p>
@@ -5071,6 +5211,21 @@
           </a:p>
           <a:p>
             <a:pPr lvl="1"/>
+            <a:r>
+              <a:rPr lang="en-US" sz="2000" dirty="0" smtClean="0"/>
+              <a:t>Starts at the ending node instead of the beginning</a:t>
+            </a:r>
+          </a:p>
+          <a:p>
+            <a:pPr lvl="1"/>
+            <a:endParaRPr lang="en-US" sz="2000" dirty="0"/>
+          </a:p>
+          <a:p>
+            <a:pPr lvl="1"/>
+            <a:r>
+              <a:rPr lang="en-US" sz="2000" dirty="0" smtClean="0"/>
+              <a:t>Costs of nodes change throughout the execution of this algorithm. If an obstruction is found, the affected nodes have their cost raised, and this cost propagates backwards.</a:t>
+            </a:r>
             <a:endParaRPr lang="en-US" sz="2000" dirty="0"/>
           </a:p>
         </p:txBody>

--- a/Presentation Material/Presentation.pptx
+++ b/Presentation Material/Presentation.pptx
@@ -5,7 +5,7 @@
     <p:sldMasterId id="2147483792" r:id="rId1"/>
   </p:sldMasterIdLst>
   <p:notesMasterIdLst>
-    <p:notesMasterId r:id="rId7"/>
+    <p:notesMasterId r:id="rId8"/>
   </p:notesMasterIdLst>
   <p:sldIdLst>
     <p:sldId id="256" r:id="rId2"/>
@@ -13,6 +13,7 @@
     <p:sldId id="259" r:id="rId4"/>
     <p:sldId id="261" r:id="rId5"/>
     <p:sldId id="260" r:id="rId6"/>
+    <p:sldId id="262" r:id="rId7"/>
   </p:sldIdLst>
   <p:sldSz cx="12192000" cy="6858000"/>
   <p:notesSz cx="6858000" cy="9144000"/>
@@ -652,11 +653,7 @@
           <a:p>
             <a:r>
               <a:rPr lang="en-US" baseline="0" dirty="0" smtClean="0"/>
-              <a:t>h(n) can never overestimate the actual path cost (assumes no obstacles, basically</a:t>
-            </a:r>
-            <a:r>
-              <a:rPr lang="en-US" baseline="0" dirty="0" smtClean="0"/>
-              <a:t>)</a:t>
+              <a:t>h(n) can never overestimate the actual path cost (assumes no obstacles, basically)</a:t>
             </a:r>
           </a:p>
           <a:p>
@@ -4933,8 +4930,8 @@
           </a:extLst>
         </p:spPr>
       </p:pic>
-      <mc:AlternateContent xmlns:mc="http://schemas.openxmlformats.org/markup-compatibility/2006">
-        <mc:Choice xmlns:a14="http://schemas.microsoft.com/office/drawing/2010/main" Requires="a14">
+      <mc:AlternateContent xmlns:mc="http://schemas.openxmlformats.org/markup-compatibility/2006" xmlns:a14="http://schemas.microsoft.com/office/drawing/2010/main">
+        <mc:Choice Requires="a14">
           <p:sp>
             <p:nvSpPr>
               <p:cNvPr id="4" name="TextBox 3"/>
@@ -4957,6 +4954,7 @@
               </a:bodyPr>
               <a:lstStyle/>
               <a:p>
+                <a:pPr/>
                 <a14:m>
                   <m:oMathPara xmlns:m="http://schemas.openxmlformats.org/officeDocument/2006/math">
                     <m:oMathParaPr>
@@ -5053,7 +5051,7 @@
             </p:txBody>
           </p:sp>
         </mc:Choice>
-        <mc:Fallback>
+        <mc:Fallback xmlns="">
           <p:sp>
             <p:nvSpPr>
               <p:cNvPr id="4" name="TextBox 3"/>
@@ -5197,13 +5195,8 @@
             <a:pPr lvl="1"/>
             <a:r>
               <a:rPr lang="en-US" sz="2000" dirty="0" smtClean="0"/>
-              <a:t>Like A*, guaranteed to find the optimal path between two </a:t>
-            </a:r>
-            <a:r>
-              <a:rPr lang="en-US" sz="2000" dirty="0" smtClean="0"/>
-              <a:t>nodes</a:t>
-            </a:r>
-            <a:endParaRPr lang="en-US" sz="2000" dirty="0" smtClean="0"/>
+              <a:t>Like A*, guaranteed to find the optimal path between two nodes</a:t>
+            </a:r>
           </a:p>
           <a:p>
             <a:pPr lvl="1"/>
@@ -5560,6 +5553,65 @@
       </p:par>
     </p:tnLst>
   </p:timing>
+</p:sld>
+</file>
+
+<file path=ppt/slides/slide6.xml><?xml version="1.0" encoding="utf-8"?>
+<p:sld xmlns:a="http://schemas.openxmlformats.org/drawingml/2006/main" xmlns:r="http://schemas.openxmlformats.org/officeDocument/2006/relationships" xmlns:p="http://schemas.openxmlformats.org/presentationml/2006/main">
+  <p:cSld>
+    <p:spTree>
+      <p:nvGrpSpPr>
+        <p:cNvPr id="1" name=""/>
+        <p:cNvGrpSpPr/>
+        <p:nvPr/>
+      </p:nvGrpSpPr>
+      <p:grpSpPr>
+        <a:xfrm>
+          <a:off x="0" y="0"/>
+          <a:ext cx="0" cy="0"/>
+          <a:chOff x="0" y="0"/>
+          <a:chExt cx="0" cy="0"/>
+        </a:xfrm>
+      </p:grpSpPr>
+      <p:sp>
+        <p:nvSpPr>
+          <p:cNvPr id="2" name="Title 1"/>
+          <p:cNvSpPr>
+            <a:spLocks noGrp="1"/>
+          </p:cNvSpPr>
+          <p:nvPr>
+            <p:ph type="ctrTitle"/>
+          </p:nvPr>
+        </p:nvSpPr>
+        <p:spPr>
+          <a:xfrm>
+            <a:off x="1097280" y="436220"/>
+            <a:ext cx="10058400" cy="3566160"/>
+          </a:xfrm>
+        </p:spPr>
+        <p:txBody>
+          <a:bodyPr>
+            <a:normAutofit/>
+          </a:bodyPr>
+          <a:lstStyle/>
+          <a:p>
+            <a:r>
+              <a:rPr lang="en-US" sz="4800" dirty="0"/>
+              <a:t>http://www.rose-hulman.edu/~knispeja/</a:t>
+            </a:r>
+          </a:p>
+        </p:txBody>
+      </p:sp>
+    </p:spTree>
+    <p:extLst>
+      <p:ext uri="{BB962C8B-B14F-4D97-AF65-F5344CB8AC3E}">
+        <p14:creationId xmlns:p14="http://schemas.microsoft.com/office/powerpoint/2010/main" val="2630576327"/>
+      </p:ext>
+    </p:extLst>
+  </p:cSld>
+  <p:clrMapOvr>
+    <a:masterClrMapping/>
+  </p:clrMapOvr>
 </p:sld>
 </file>
 
